--- a/Excepsion.pptx
+++ b/Excepsion.pptx
@@ -112,6 +112,11 @@
       </a:defRPr>
     </a:lvl9pPr>
   </p:defaultTextStyle>
+  <p:extLst>
+    <p:ext uri="{EFAFB233-063F-42B5-8137-9DF3F51BA10A}">
+      <p15:sldGuideLst xmlns:p15="http://schemas.microsoft.com/office/powerpoint/2012/main"/>
+    </p:ext>
+  </p:extLst>
 </p:presentation>
 </file>
 
@@ -264,7 +269,7 @@
           <a:p>
             <a:fld id="{80316F6E-F3E1-404B-8BC5-9A3CDFD5EBCA}" type="datetimeFigureOut">
               <a:rPr lang="en-KZ" smtClean="0"/>
-              <a:t>27.01.2023</a:t>
+              <a:t>28.01.2023</a:t>
             </a:fld>
             <a:endParaRPr lang="en-KZ"/>
           </a:p>
@@ -464,7 +469,7 @@
           <a:p>
             <a:fld id="{80316F6E-F3E1-404B-8BC5-9A3CDFD5EBCA}" type="datetimeFigureOut">
               <a:rPr lang="en-KZ" smtClean="0"/>
-              <a:t>27.01.2023</a:t>
+              <a:t>28.01.2023</a:t>
             </a:fld>
             <a:endParaRPr lang="en-KZ"/>
           </a:p>
@@ -674,7 +679,7 @@
           <a:p>
             <a:fld id="{80316F6E-F3E1-404B-8BC5-9A3CDFD5EBCA}" type="datetimeFigureOut">
               <a:rPr lang="en-KZ" smtClean="0"/>
-              <a:t>27.01.2023</a:t>
+              <a:t>28.01.2023</a:t>
             </a:fld>
             <a:endParaRPr lang="en-KZ"/>
           </a:p>
@@ -874,7 +879,7 @@
           <a:p>
             <a:fld id="{80316F6E-F3E1-404B-8BC5-9A3CDFD5EBCA}" type="datetimeFigureOut">
               <a:rPr lang="en-KZ" smtClean="0"/>
-              <a:t>27.01.2023</a:t>
+              <a:t>28.01.2023</a:t>
             </a:fld>
             <a:endParaRPr lang="en-KZ"/>
           </a:p>
@@ -1150,7 +1155,7 @@
           <a:p>
             <a:fld id="{80316F6E-F3E1-404B-8BC5-9A3CDFD5EBCA}" type="datetimeFigureOut">
               <a:rPr lang="en-KZ" smtClean="0"/>
-              <a:t>27.01.2023</a:t>
+              <a:t>28.01.2023</a:t>
             </a:fld>
             <a:endParaRPr lang="en-KZ"/>
           </a:p>
@@ -1418,7 +1423,7 @@
           <a:p>
             <a:fld id="{80316F6E-F3E1-404B-8BC5-9A3CDFD5EBCA}" type="datetimeFigureOut">
               <a:rPr lang="en-KZ" smtClean="0"/>
-              <a:t>27.01.2023</a:t>
+              <a:t>28.01.2023</a:t>
             </a:fld>
             <a:endParaRPr lang="en-KZ"/>
           </a:p>
@@ -1833,7 +1838,7 @@
           <a:p>
             <a:fld id="{80316F6E-F3E1-404B-8BC5-9A3CDFD5EBCA}" type="datetimeFigureOut">
               <a:rPr lang="en-KZ" smtClean="0"/>
-              <a:t>27.01.2023</a:t>
+              <a:t>28.01.2023</a:t>
             </a:fld>
             <a:endParaRPr lang="en-KZ"/>
           </a:p>
@@ -1975,7 +1980,7 @@
           <a:p>
             <a:fld id="{80316F6E-F3E1-404B-8BC5-9A3CDFD5EBCA}" type="datetimeFigureOut">
               <a:rPr lang="en-KZ" smtClean="0"/>
-              <a:t>27.01.2023</a:t>
+              <a:t>28.01.2023</a:t>
             </a:fld>
             <a:endParaRPr lang="en-KZ"/>
           </a:p>
@@ -2088,7 +2093,7 @@
           <a:p>
             <a:fld id="{80316F6E-F3E1-404B-8BC5-9A3CDFD5EBCA}" type="datetimeFigureOut">
               <a:rPr lang="en-KZ" smtClean="0"/>
-              <a:t>27.01.2023</a:t>
+              <a:t>28.01.2023</a:t>
             </a:fld>
             <a:endParaRPr lang="en-KZ"/>
           </a:p>
@@ -2401,7 +2406,7 @@
           <a:p>
             <a:fld id="{80316F6E-F3E1-404B-8BC5-9A3CDFD5EBCA}" type="datetimeFigureOut">
               <a:rPr lang="en-KZ" smtClean="0"/>
-              <a:t>27.01.2023</a:t>
+              <a:t>28.01.2023</a:t>
             </a:fld>
             <a:endParaRPr lang="en-KZ"/>
           </a:p>
@@ -2690,7 +2695,7 @@
           <a:p>
             <a:fld id="{80316F6E-F3E1-404B-8BC5-9A3CDFD5EBCA}" type="datetimeFigureOut">
               <a:rPr lang="en-KZ" smtClean="0"/>
-              <a:t>27.01.2023</a:t>
+              <a:t>28.01.2023</a:t>
             </a:fld>
             <a:endParaRPr lang="en-KZ"/>
           </a:p>
@@ -2933,7 +2938,7 @@
           <a:p>
             <a:fld id="{80316F6E-F3E1-404B-8BC5-9A3CDFD5EBCA}" type="datetimeFigureOut">
               <a:rPr lang="en-KZ" smtClean="0"/>
-              <a:t>27.01.2023</a:t>
+              <a:t>28.01.2023</a:t>
             </a:fld>
             <a:endParaRPr lang="en-KZ"/>
           </a:p>
@@ -4170,33 +4175,29 @@
                 <a:latin typeface="Times New Roman" panose="02020603050405020304" pitchFamily="18" charset="0"/>
                 <a:cs typeface="Times New Roman" panose="02020603050405020304" pitchFamily="18" charset="0"/>
               </a:rPr>
-              <a:t>You need to create console application, that </a:t>
-            </a:r>
-            <a:r>
-              <a:rPr lang="ru-RU" dirty="0" err="1">
+              <a:t>You need to create console application, </a:t>
+            </a:r>
+            <a:r>
+              <a:rPr lang="en-KZ">
                 <a:latin typeface="Times New Roman" panose="02020603050405020304" pitchFamily="18" charset="0"/>
                 <a:cs typeface="Times New Roman" panose="02020603050405020304" pitchFamily="18" charset="0"/>
               </a:rPr>
-              <a:t>a</a:t>
-            </a:r>
-            <a:r>
-              <a:rPr lang="en-US" dirty="0" err="1">
+              <a:t>that </a:t>
+            </a:r>
+            <a:r>
+              <a:rPr lang="en-US">
                 <a:latin typeface="Times New Roman" panose="02020603050405020304" pitchFamily="18" charset="0"/>
                 <a:cs typeface="Times New Roman" panose="02020603050405020304" pitchFamily="18" charset="0"/>
               </a:rPr>
-              <a:t>ccepts</a:t>
+              <a:t>accepts </a:t>
             </a:r>
             <a:r>
               <a:rPr lang="en-US" dirty="0">
                 <a:latin typeface="Times New Roman" panose="02020603050405020304" pitchFamily="18" charset="0"/>
                 <a:cs typeface="Times New Roman" panose="02020603050405020304" pitchFamily="18" charset="0"/>
               </a:rPr>
-              <a:t> as input Name, Age and GPA. If it has bad arguments, print an informative error message. </a:t>
-            </a:r>
-            <a:endParaRPr lang="en-KZ" dirty="0">
-              <a:latin typeface="Times New Roman" panose="02020603050405020304" pitchFamily="18" charset="0"/>
-              <a:cs typeface="Times New Roman" panose="02020603050405020304" pitchFamily="18" charset="0"/>
-            </a:endParaRPr>
+              <a:t>as input Name, Age and GPA. If it has bad arguments, print an informative error message. </a:t>
+            </a:r>
           </a:p>
         </p:txBody>
       </p:sp>

--- a/Excepsion.pptx
+++ b/Excepsion.pptx
@@ -9,11 +9,12 @@
     <p:sldId id="257" r:id="rId3"/>
     <p:sldId id="258" r:id="rId4"/>
     <p:sldId id="259" r:id="rId5"/>
-    <p:sldId id="260" r:id="rId6"/>
-    <p:sldId id="261" r:id="rId7"/>
-    <p:sldId id="262" r:id="rId8"/>
-    <p:sldId id="263" r:id="rId9"/>
-    <p:sldId id="264" r:id="rId10"/>
+    <p:sldId id="261" r:id="rId6"/>
+    <p:sldId id="260" r:id="rId7"/>
+    <p:sldId id="265" r:id="rId8"/>
+    <p:sldId id="262" r:id="rId9"/>
+    <p:sldId id="263" r:id="rId10"/>
+    <p:sldId id="264" r:id="rId11"/>
   </p:sldIdLst>
   <p:sldSz cx="12192000" cy="6858000"/>
   <p:notesSz cx="6858000" cy="9144000"/>
@@ -3421,6 +3422,166 @@
 </p:sld>
 </file>
 
+<file path=ppt/slides/slide10.xml><?xml version="1.0" encoding="utf-8"?>
+<p:sld xmlns:a="http://schemas.openxmlformats.org/drawingml/2006/main" xmlns:r="http://schemas.openxmlformats.org/officeDocument/2006/relationships" xmlns:p="http://schemas.openxmlformats.org/presentationml/2006/main">
+  <p:cSld>
+    <p:spTree>
+      <p:nvGrpSpPr>
+        <p:cNvPr id="1" name=""/>
+        <p:cNvGrpSpPr/>
+        <p:nvPr/>
+      </p:nvGrpSpPr>
+      <p:grpSpPr>
+        <a:xfrm>
+          <a:off x="0" y="0"/>
+          <a:ext cx="0" cy="0"/>
+          <a:chOff x="0" y="0"/>
+          <a:chExt cx="0" cy="0"/>
+        </a:xfrm>
+      </p:grpSpPr>
+      <p:sp>
+        <p:nvSpPr>
+          <p:cNvPr id="3" name="Content Placeholder 2">
+            <a:extLst>
+              <a:ext uri="{FF2B5EF4-FFF2-40B4-BE49-F238E27FC236}">
+                <a16:creationId xmlns:a16="http://schemas.microsoft.com/office/drawing/2014/main" id="{EA2EEB91-D258-8909-5514-0622F8B4A48B}"/>
+              </a:ext>
+            </a:extLst>
+          </p:cNvPr>
+          <p:cNvSpPr>
+            <a:spLocks noGrp="1"/>
+          </p:cNvSpPr>
+          <p:nvPr>
+            <p:ph idx="1"/>
+          </p:nvPr>
+        </p:nvSpPr>
+        <p:spPr>
+          <a:xfrm>
+            <a:off x="679551" y="311060"/>
+            <a:ext cx="10515600" cy="4351338"/>
+          </a:xfrm>
+        </p:spPr>
+        <p:txBody>
+          <a:bodyPr/>
+          <a:lstStyle/>
+          <a:p>
+            <a:r>
+              <a:rPr lang="en-US" dirty="0">
+                <a:latin typeface="Times New Roman" panose="02020603050405020304" pitchFamily="18" charset="0"/>
+                <a:cs typeface="Times New Roman" panose="02020603050405020304" pitchFamily="18" charset="0"/>
+              </a:rPr>
+              <a:t>The goal for this stage of the lab is to modify the script so that it responds appropriately to incorrect command line arguments. When bad arguments are provided, the script should print an informative error message followed by a usage string.</a:t>
+            </a:r>
+            <a:endParaRPr lang="en-KZ" dirty="0">
+              <a:latin typeface="Times New Roman" panose="02020603050405020304" pitchFamily="18" charset="0"/>
+              <a:cs typeface="Times New Roman" panose="02020603050405020304" pitchFamily="18" charset="0"/>
+            </a:endParaRPr>
+          </a:p>
+        </p:txBody>
+      </p:sp>
+      <p:pic>
+        <p:nvPicPr>
+          <p:cNvPr id="5" name="Picture 4">
+            <a:extLst>
+              <a:ext uri="{FF2B5EF4-FFF2-40B4-BE49-F238E27FC236}">
+                <a16:creationId xmlns:a16="http://schemas.microsoft.com/office/drawing/2014/main" id="{8107128F-2250-DC83-84F4-CBA32980720D}"/>
+              </a:ext>
+            </a:extLst>
+          </p:cNvPr>
+          <p:cNvPicPr>
+            <a:picLocks noChangeAspect="1"/>
+          </p:cNvPicPr>
+          <p:nvPr/>
+        </p:nvPicPr>
+        <p:blipFill>
+          <a:blip r:embed="rId2"/>
+          <a:stretch>
+            <a:fillRect/>
+          </a:stretch>
+        </p:blipFill>
+        <p:spPr>
+          <a:xfrm>
+            <a:off x="1131783" y="2774378"/>
+            <a:ext cx="9928434" cy="654622"/>
+          </a:xfrm>
+          <a:prstGeom prst="rect">
+            <a:avLst/>
+          </a:prstGeom>
+        </p:spPr>
+      </p:pic>
+      <p:pic>
+        <p:nvPicPr>
+          <p:cNvPr id="7" name="Picture 6">
+            <a:extLst>
+              <a:ext uri="{FF2B5EF4-FFF2-40B4-BE49-F238E27FC236}">
+                <a16:creationId xmlns:a16="http://schemas.microsoft.com/office/drawing/2014/main" id="{892264AA-5D88-79F1-AD5A-3FD8432B79BB}"/>
+              </a:ext>
+            </a:extLst>
+          </p:cNvPr>
+          <p:cNvPicPr>
+            <a:picLocks noChangeAspect="1"/>
+          </p:cNvPicPr>
+          <p:nvPr/>
+        </p:nvPicPr>
+        <p:blipFill>
+          <a:blip r:embed="rId3"/>
+          <a:stretch>
+            <a:fillRect/>
+          </a:stretch>
+        </p:blipFill>
+        <p:spPr>
+          <a:xfrm>
+            <a:off x="1131783" y="3563937"/>
+            <a:ext cx="9611137" cy="559544"/>
+          </a:xfrm>
+          <a:prstGeom prst="rect">
+            <a:avLst/>
+          </a:prstGeom>
+        </p:spPr>
+      </p:pic>
+      <p:pic>
+        <p:nvPicPr>
+          <p:cNvPr id="9" name="Picture 8">
+            <a:extLst>
+              <a:ext uri="{FF2B5EF4-FFF2-40B4-BE49-F238E27FC236}">
+                <a16:creationId xmlns:a16="http://schemas.microsoft.com/office/drawing/2014/main" id="{ED2AE905-9360-17D6-1213-9C60FFA4B87E}"/>
+              </a:ext>
+            </a:extLst>
+          </p:cNvPr>
+          <p:cNvPicPr>
+            <a:picLocks noChangeAspect="1"/>
+          </p:cNvPicPr>
+          <p:nvPr/>
+        </p:nvPicPr>
+        <p:blipFill>
+          <a:blip r:embed="rId4"/>
+          <a:stretch>
+            <a:fillRect/>
+          </a:stretch>
+        </p:blipFill>
+        <p:spPr>
+          <a:xfrm>
+            <a:off x="2129820" y="4314755"/>
+            <a:ext cx="7932359" cy="559544"/>
+          </a:xfrm>
+          <a:prstGeom prst="rect">
+            <a:avLst/>
+          </a:prstGeom>
+        </p:spPr>
+      </p:pic>
+    </p:spTree>
+    <p:extLst>
+      <p:ext uri="{BB962C8B-B14F-4D97-AF65-F5344CB8AC3E}">
+        <p14:creationId xmlns:p14="http://schemas.microsoft.com/office/powerpoint/2010/main" val="1023093878"/>
+      </p:ext>
+    </p:extLst>
+  </p:cSld>
+  <p:clrMapOvr>
+    <a:masterClrMapping/>
+  </p:clrMapOvr>
+</p:sld>
+</file>
+
 <file path=ppt/slides/slide2.xml><?xml version="1.0" encoding="utf-8"?>
 <p:sld xmlns:a="http://schemas.openxmlformats.org/drawingml/2006/main" xmlns:r="http://schemas.openxmlformats.org/officeDocument/2006/relationships" xmlns:p="http://schemas.openxmlformats.org/presentationml/2006/main">
   <p:cSld>
@@ -3913,6 +4074,122 @@
           <a:chExt cx="0" cy="0"/>
         </a:xfrm>
       </p:grpSpPr>
+      <p:sp>
+        <p:nvSpPr>
+          <p:cNvPr id="2" name="Title 1">
+            <a:extLst>
+              <a:ext uri="{FF2B5EF4-FFF2-40B4-BE49-F238E27FC236}">
+                <a16:creationId xmlns:a16="http://schemas.microsoft.com/office/drawing/2014/main" id="{15A593DA-A215-2557-1009-3EA38117BD67}"/>
+              </a:ext>
+            </a:extLst>
+          </p:cNvPr>
+          <p:cNvSpPr>
+            <a:spLocks noGrp="1"/>
+          </p:cNvSpPr>
+          <p:nvPr>
+            <p:ph type="title"/>
+          </p:nvPr>
+        </p:nvSpPr>
+        <p:spPr/>
+        <p:txBody>
+          <a:bodyPr/>
+          <a:lstStyle/>
+          <a:p>
+            <a:r>
+              <a:rPr lang="en-US" dirty="0">
+                <a:latin typeface="Times New Roman" panose="02020603050405020304" pitchFamily="18" charset="0"/>
+                <a:cs typeface="Times New Roman" panose="02020603050405020304" pitchFamily="18" charset="0"/>
+              </a:rPr>
+              <a:t>finally</a:t>
+            </a:r>
+            <a:endParaRPr lang="en-KZ" dirty="0">
+              <a:latin typeface="Times New Roman" panose="02020603050405020304" pitchFamily="18" charset="0"/>
+              <a:cs typeface="Times New Roman" panose="02020603050405020304" pitchFamily="18" charset="0"/>
+            </a:endParaRPr>
+          </a:p>
+        </p:txBody>
+      </p:sp>
+      <p:sp>
+        <p:nvSpPr>
+          <p:cNvPr id="3" name="Content Placeholder 2">
+            <a:extLst>
+              <a:ext uri="{FF2B5EF4-FFF2-40B4-BE49-F238E27FC236}">
+                <a16:creationId xmlns:a16="http://schemas.microsoft.com/office/drawing/2014/main" id="{68E5A316-E4F4-A118-11AD-69F4A58E30B6}"/>
+              </a:ext>
+            </a:extLst>
+          </p:cNvPr>
+          <p:cNvSpPr>
+            <a:spLocks noGrp="1"/>
+          </p:cNvSpPr>
+          <p:nvPr>
+            <p:ph idx="1"/>
+          </p:nvPr>
+        </p:nvSpPr>
+        <p:spPr/>
+        <p:txBody>
+          <a:bodyPr>
+            <a:normAutofit/>
+          </a:bodyPr>
+          <a:lstStyle/>
+          <a:p>
+            <a:r>
+              <a:rPr lang="en-US" sz="3200" dirty="0">
+                <a:latin typeface="Times New Roman" panose="02020603050405020304" pitchFamily="18" charset="0"/>
+                <a:cs typeface="Times New Roman" panose="02020603050405020304" pitchFamily="18" charset="0"/>
+              </a:rPr>
+              <a:t>If a finally clause is present, the finally clause will execute as the last task before the </a:t>
+            </a:r>
+            <a:r>
+              <a:rPr lang="en-US" sz="3200" b="1" dirty="0">
+                <a:latin typeface="Times New Roman" panose="02020603050405020304" pitchFamily="18" charset="0"/>
+                <a:cs typeface="Times New Roman" panose="02020603050405020304" pitchFamily="18" charset="0"/>
+              </a:rPr>
+              <a:t>try</a:t>
+            </a:r>
+            <a:r>
+              <a:rPr lang="en-US" sz="3200" dirty="0">
+                <a:latin typeface="Times New Roman" panose="02020603050405020304" pitchFamily="18" charset="0"/>
+                <a:cs typeface="Times New Roman" panose="02020603050405020304" pitchFamily="18" charset="0"/>
+              </a:rPr>
+              <a:t> statement completes. The finally clause runs whether or not the try statement produces an exception.</a:t>
+            </a:r>
+            <a:endParaRPr lang="en-KZ" sz="3200" dirty="0">
+              <a:latin typeface="Times New Roman" panose="02020603050405020304" pitchFamily="18" charset="0"/>
+              <a:cs typeface="Times New Roman" panose="02020603050405020304" pitchFamily="18" charset="0"/>
+            </a:endParaRPr>
+          </a:p>
+        </p:txBody>
+      </p:sp>
+    </p:spTree>
+    <p:extLst>
+      <p:ext uri="{BB962C8B-B14F-4D97-AF65-F5344CB8AC3E}">
+        <p14:creationId xmlns:p14="http://schemas.microsoft.com/office/powerpoint/2010/main" val="3716414075"/>
+      </p:ext>
+    </p:extLst>
+  </p:cSld>
+  <p:clrMapOvr>
+    <a:masterClrMapping/>
+  </p:clrMapOvr>
+</p:sld>
+</file>
+
+<file path=ppt/slides/slide6.xml><?xml version="1.0" encoding="utf-8"?>
+<p:sld xmlns:a="http://schemas.openxmlformats.org/drawingml/2006/main" xmlns:r="http://schemas.openxmlformats.org/officeDocument/2006/relationships" xmlns:p="http://schemas.openxmlformats.org/presentationml/2006/main">
+  <p:cSld>
+    <p:spTree>
+      <p:nvGrpSpPr>
+        <p:cNvPr id="1" name=""/>
+        <p:cNvGrpSpPr/>
+        <p:nvPr/>
+      </p:nvGrpSpPr>
+      <p:grpSpPr>
+        <a:xfrm>
+          <a:off x="0" y="0"/>
+          <a:ext cx="0" cy="0"/>
+          <a:chOff x="0" y="0"/>
+          <a:chExt cx="0" cy="0"/>
+        </a:xfrm>
+      </p:grpSpPr>
       <p:pic>
         <p:nvPicPr>
           <p:cNvPr id="5" name="Content Placeholder 4">
@@ -3985,122 +4262,6 @@
 </p:sld>
 </file>
 
-<file path=ppt/slides/slide6.xml><?xml version="1.0" encoding="utf-8"?>
-<p:sld xmlns:a="http://schemas.openxmlformats.org/drawingml/2006/main" xmlns:r="http://schemas.openxmlformats.org/officeDocument/2006/relationships" xmlns:p="http://schemas.openxmlformats.org/presentationml/2006/main">
-  <p:cSld>
-    <p:spTree>
-      <p:nvGrpSpPr>
-        <p:cNvPr id="1" name=""/>
-        <p:cNvGrpSpPr/>
-        <p:nvPr/>
-      </p:nvGrpSpPr>
-      <p:grpSpPr>
-        <a:xfrm>
-          <a:off x="0" y="0"/>
-          <a:ext cx="0" cy="0"/>
-          <a:chOff x="0" y="0"/>
-          <a:chExt cx="0" cy="0"/>
-        </a:xfrm>
-      </p:grpSpPr>
-      <p:sp>
-        <p:nvSpPr>
-          <p:cNvPr id="2" name="Title 1">
-            <a:extLst>
-              <a:ext uri="{FF2B5EF4-FFF2-40B4-BE49-F238E27FC236}">
-                <a16:creationId xmlns:a16="http://schemas.microsoft.com/office/drawing/2014/main" id="{15A593DA-A215-2557-1009-3EA38117BD67}"/>
-              </a:ext>
-            </a:extLst>
-          </p:cNvPr>
-          <p:cNvSpPr>
-            <a:spLocks noGrp="1"/>
-          </p:cNvSpPr>
-          <p:nvPr>
-            <p:ph type="title"/>
-          </p:nvPr>
-        </p:nvSpPr>
-        <p:spPr/>
-        <p:txBody>
-          <a:bodyPr/>
-          <a:lstStyle/>
-          <a:p>
-            <a:r>
-              <a:rPr lang="en-US" dirty="0">
-                <a:latin typeface="Times New Roman" panose="02020603050405020304" pitchFamily="18" charset="0"/>
-                <a:cs typeface="Times New Roman" panose="02020603050405020304" pitchFamily="18" charset="0"/>
-              </a:rPr>
-              <a:t>finally</a:t>
-            </a:r>
-            <a:endParaRPr lang="en-KZ" dirty="0">
-              <a:latin typeface="Times New Roman" panose="02020603050405020304" pitchFamily="18" charset="0"/>
-              <a:cs typeface="Times New Roman" panose="02020603050405020304" pitchFamily="18" charset="0"/>
-            </a:endParaRPr>
-          </a:p>
-        </p:txBody>
-      </p:sp>
-      <p:sp>
-        <p:nvSpPr>
-          <p:cNvPr id="3" name="Content Placeholder 2">
-            <a:extLst>
-              <a:ext uri="{FF2B5EF4-FFF2-40B4-BE49-F238E27FC236}">
-                <a16:creationId xmlns:a16="http://schemas.microsoft.com/office/drawing/2014/main" id="{68E5A316-E4F4-A118-11AD-69F4A58E30B6}"/>
-              </a:ext>
-            </a:extLst>
-          </p:cNvPr>
-          <p:cNvSpPr>
-            <a:spLocks noGrp="1"/>
-          </p:cNvSpPr>
-          <p:nvPr>
-            <p:ph idx="1"/>
-          </p:nvPr>
-        </p:nvSpPr>
-        <p:spPr/>
-        <p:txBody>
-          <a:bodyPr>
-            <a:normAutofit/>
-          </a:bodyPr>
-          <a:lstStyle/>
-          <a:p>
-            <a:r>
-              <a:rPr lang="en-US" sz="3200" dirty="0">
-                <a:latin typeface="Times New Roman" panose="02020603050405020304" pitchFamily="18" charset="0"/>
-                <a:cs typeface="Times New Roman" panose="02020603050405020304" pitchFamily="18" charset="0"/>
-              </a:rPr>
-              <a:t>If a finally clause is present, the finally clause will execute as the last task before the </a:t>
-            </a:r>
-            <a:r>
-              <a:rPr lang="en-US" sz="3200" b="1" dirty="0">
-                <a:latin typeface="Times New Roman" panose="02020603050405020304" pitchFamily="18" charset="0"/>
-                <a:cs typeface="Times New Roman" panose="02020603050405020304" pitchFamily="18" charset="0"/>
-              </a:rPr>
-              <a:t>try</a:t>
-            </a:r>
-            <a:r>
-              <a:rPr lang="en-US" sz="3200" dirty="0">
-                <a:latin typeface="Times New Roman" panose="02020603050405020304" pitchFamily="18" charset="0"/>
-                <a:cs typeface="Times New Roman" panose="02020603050405020304" pitchFamily="18" charset="0"/>
-              </a:rPr>
-              <a:t> statement completes. The finally clause runs whether or not the try statement produces an exception.</a:t>
-            </a:r>
-            <a:endParaRPr lang="en-KZ" sz="3200" dirty="0">
-              <a:latin typeface="Times New Roman" panose="02020603050405020304" pitchFamily="18" charset="0"/>
-              <a:cs typeface="Times New Roman" panose="02020603050405020304" pitchFamily="18" charset="0"/>
-            </a:endParaRPr>
-          </a:p>
-        </p:txBody>
-      </p:sp>
-    </p:spTree>
-    <p:extLst>
-      <p:ext uri="{BB962C8B-B14F-4D97-AF65-F5344CB8AC3E}">
-        <p14:creationId xmlns:p14="http://schemas.microsoft.com/office/powerpoint/2010/main" val="3716414075"/>
-      </p:ext>
-    </p:extLst>
-  </p:cSld>
-  <p:clrMapOvr>
-    <a:masterClrMapping/>
-  </p:clrMapOvr>
-</p:sld>
-</file>
-
 <file path=ppt/slides/slide7.xml><?xml version="1.0" encoding="utf-8"?>
 <p:sld xmlns:a="http://schemas.openxmlformats.org/drawingml/2006/main" xmlns:r="http://schemas.openxmlformats.org/officeDocument/2006/relationships" xmlns:p="http://schemas.openxmlformats.org/presentationml/2006/main">
   <p:cSld>
@@ -4120,41 +4281,10 @@
       </p:grpSpPr>
       <p:sp>
         <p:nvSpPr>
-          <p:cNvPr id="2" name="Title 1">
-            <a:extLst>
-              <a:ext uri="{FF2B5EF4-FFF2-40B4-BE49-F238E27FC236}">
-                <a16:creationId xmlns:a16="http://schemas.microsoft.com/office/drawing/2014/main" id="{3B70F070-0477-5BF3-C0F0-77169720DCCB}"/>
-              </a:ext>
-            </a:extLst>
-          </p:cNvPr>
-          <p:cNvSpPr>
-            <a:spLocks noGrp="1"/>
-          </p:cNvSpPr>
-          <p:nvPr>
-            <p:ph type="title"/>
-          </p:nvPr>
-        </p:nvSpPr>
-        <p:spPr/>
-        <p:txBody>
-          <a:bodyPr/>
-          <a:lstStyle/>
-          <a:p>
-            <a:r>
-              <a:rPr lang="en-KZ" dirty="0">
-                <a:latin typeface="Times New Roman" panose="02020603050405020304" pitchFamily="18" charset="0"/>
-                <a:cs typeface="Times New Roman" panose="02020603050405020304" pitchFamily="18" charset="0"/>
-              </a:rPr>
-              <a:t>Task №1</a:t>
-            </a:r>
-          </a:p>
-        </p:txBody>
-      </p:sp>
-      <p:sp>
-        <p:nvSpPr>
           <p:cNvPr id="3" name="Content Placeholder 2">
             <a:extLst>
               <a:ext uri="{FF2B5EF4-FFF2-40B4-BE49-F238E27FC236}">
-                <a16:creationId xmlns:a16="http://schemas.microsoft.com/office/drawing/2014/main" id="{81CF1128-D927-A70E-4776-B4C5ABC47448}"/>
+                <a16:creationId xmlns:a16="http://schemas.microsoft.com/office/drawing/2014/main" id="{C3F31311-0033-65BA-BA25-E5E4BFFDAAA3}"/>
               </a:ext>
             </a:extLst>
           </p:cNvPr>
@@ -4165,46 +4295,44 @@
             <p:ph idx="1"/>
           </p:nvPr>
         </p:nvSpPr>
-        <p:spPr/>
-        <p:txBody>
-          <a:bodyPr/>
-          <a:lstStyle/>
-          <a:p>
-            <a:r>
-              <a:rPr lang="en-KZ" dirty="0">
-                <a:latin typeface="Times New Roman" panose="02020603050405020304" pitchFamily="18" charset="0"/>
-                <a:cs typeface="Times New Roman" panose="02020603050405020304" pitchFamily="18" charset="0"/>
-              </a:rPr>
-              <a:t>You need to create console application, </a:t>
-            </a:r>
-            <a:r>
-              <a:rPr lang="en-KZ">
-                <a:latin typeface="Times New Roman" panose="02020603050405020304" pitchFamily="18" charset="0"/>
-                <a:cs typeface="Times New Roman" panose="02020603050405020304" pitchFamily="18" charset="0"/>
-              </a:rPr>
-              <a:t>that </a:t>
-            </a:r>
-            <a:r>
-              <a:rPr lang="en-US">
-                <a:latin typeface="Times New Roman" panose="02020603050405020304" pitchFamily="18" charset="0"/>
-                <a:cs typeface="Times New Roman" panose="02020603050405020304" pitchFamily="18" charset="0"/>
-              </a:rPr>
-              <a:t>accepts </a:t>
-            </a:r>
-            <a:r>
-              <a:rPr lang="en-US" dirty="0">
-                <a:latin typeface="Times New Roman" panose="02020603050405020304" pitchFamily="18" charset="0"/>
-                <a:cs typeface="Times New Roman" panose="02020603050405020304" pitchFamily="18" charset="0"/>
-              </a:rPr>
-              <a:t>as input Name, Age and GPA. If it has bad arguments, print an informative error message. </a:t>
-            </a:r>
+        <p:spPr>
+          <a:xfrm>
+            <a:off x="838200" y="436663"/>
+            <a:ext cx="10515600" cy="4351338"/>
+          </a:xfrm>
+        </p:spPr>
+        <p:txBody>
+          <a:bodyPr/>
+          <a:lstStyle/>
+          <a:p>
+            <a:r>
+              <a:rPr lang="en-US" dirty="0"/>
+              <a:t>https://</a:t>
+            </a:r>
+            <a:r>
+              <a:rPr lang="en-US" dirty="0" err="1"/>
+              <a:t>github.com</a:t>
+            </a:r>
+            <a:r>
+              <a:rPr lang="en-US" dirty="0"/>
+              <a:t>/</a:t>
+            </a:r>
+            <a:r>
+              <a:rPr lang="en-US" dirty="0" err="1"/>
+              <a:t>saknzhar</a:t>
+            </a:r>
+            <a:r>
+              <a:rPr lang="en-US" dirty="0"/>
+              <a:t>/Duplicate-words</a:t>
+            </a:r>
+            <a:endParaRPr lang="en-KZ" dirty="0"/>
           </a:p>
         </p:txBody>
       </p:sp>
     </p:spTree>
     <p:extLst>
       <p:ext uri="{BB962C8B-B14F-4D97-AF65-F5344CB8AC3E}">
-        <p14:creationId xmlns:p14="http://schemas.microsoft.com/office/powerpoint/2010/main" val="643534035"/>
+        <p14:creationId xmlns:p14="http://schemas.microsoft.com/office/powerpoint/2010/main" val="4255397512"/>
       </p:ext>
     </p:extLst>
   </p:cSld>
@@ -4236,7 +4364,7 @@
           <p:cNvPr id="2" name="Title 1">
             <a:extLst>
               <a:ext uri="{FF2B5EF4-FFF2-40B4-BE49-F238E27FC236}">
-                <a16:creationId xmlns:a16="http://schemas.microsoft.com/office/drawing/2014/main" id="{6B9BC86D-F02B-3ABB-723E-8C34647DF72F}"/>
+                <a16:creationId xmlns:a16="http://schemas.microsoft.com/office/drawing/2014/main" id="{3B70F070-0477-5BF3-C0F0-77169720DCCB}"/>
               </a:ext>
             </a:extLst>
           </p:cNvPr>
@@ -4257,7 +4385,7 @@
                 <a:latin typeface="Times New Roman" panose="02020603050405020304" pitchFamily="18" charset="0"/>
                 <a:cs typeface="Times New Roman" panose="02020603050405020304" pitchFamily="18" charset="0"/>
               </a:rPr>
-              <a:t>Duplicate words</a:t>
+              <a:t>Task №1</a:t>
             </a:r>
           </a:p>
         </p:txBody>
@@ -4267,7 +4395,7 @@
           <p:cNvPr id="3" name="Content Placeholder 2">
             <a:extLst>
               <a:ext uri="{FF2B5EF4-FFF2-40B4-BE49-F238E27FC236}">
-                <a16:creationId xmlns:a16="http://schemas.microsoft.com/office/drawing/2014/main" id="{D3101AE0-B156-F041-4AD9-764AAD54DCDE}"/>
+                <a16:creationId xmlns:a16="http://schemas.microsoft.com/office/drawing/2014/main" id="{81CF1128-D927-A70E-4776-B4C5ABC47448}"/>
               </a:ext>
             </a:extLst>
           </p:cNvPr>
@@ -4284,95 +4412,26 @@
           <a:lstStyle/>
           <a:p>
             <a:r>
-              <a:rPr lang="en-US" dirty="0"/>
-              <a:t>The file </a:t>
-            </a:r>
-            <a:r>
-              <a:rPr lang="en-US" dirty="0" err="1"/>
-              <a:t>word.py</a:t>
-            </a:r>
-            <a:r>
-              <a:rPr lang="en-US" dirty="0"/>
-              <a:t> contains a simple command-line utility that creates a file containing any number of repetitions of a single word.</a:t>
-            </a:r>
-          </a:p>
-          <a:p>
-            <a:r>
-              <a:rPr lang="en-US" dirty="0"/>
-              <a:t>Usage: </a:t>
-            </a:r>
-            <a:r>
-              <a:rPr lang="en-US" dirty="0" err="1"/>
-              <a:t>word.py</a:t>
-            </a:r>
-            <a:r>
-              <a:rPr lang="en-US" dirty="0"/>
-              <a:t> FILE_NAME WORD COUNT</a:t>
-            </a:r>
-          </a:p>
-          <a:p>
-            <a:endParaRPr lang="en-US" dirty="0"/>
-          </a:p>
-          <a:p>
-            <a:endParaRPr lang="en-US" dirty="0"/>
-          </a:p>
-          <a:p>
-            <a:r>
-              <a:rPr lang="en-US" dirty="0"/>
-              <a:t>This would result in the creation of a file named '</a:t>
-            </a:r>
-            <a:r>
-              <a:rPr lang="en-US" dirty="0" err="1"/>
-              <a:t>h.txt</a:t>
-            </a:r>
-            <a:r>
-              <a:rPr lang="en-US" dirty="0"/>
-              <a:t>' with the contents: hell hell</a:t>
-            </a:r>
-          </a:p>
-          <a:p>
-            <a:r>
-              <a:rPr lang="en-US" dirty="0"/>
-              <a:t>This utility will do nothing if the file already exists.</a:t>
-            </a:r>
-            <a:endParaRPr lang="en-KZ" dirty="0"/>
-          </a:p>
-        </p:txBody>
-      </p:sp>
-      <p:pic>
-        <p:nvPicPr>
-          <p:cNvPr id="5" name="Picture 4">
-            <a:extLst>
-              <a:ext uri="{FF2B5EF4-FFF2-40B4-BE49-F238E27FC236}">
-                <a16:creationId xmlns:a16="http://schemas.microsoft.com/office/drawing/2014/main" id="{C75C3A81-7E44-6547-E5DD-7C989863F7DA}"/>
-              </a:ext>
-            </a:extLst>
-          </p:cNvPr>
-          <p:cNvPicPr>
-            <a:picLocks noChangeAspect="1"/>
-          </p:cNvPicPr>
-          <p:nvPr/>
-        </p:nvPicPr>
-        <p:blipFill>
-          <a:blip r:embed="rId2"/>
-          <a:stretch>
-            <a:fillRect/>
-          </a:stretch>
-        </p:blipFill>
-        <p:spPr>
-          <a:xfrm>
-            <a:off x="1591290" y="3377889"/>
-            <a:ext cx="9009420" cy="654211"/>
-          </a:xfrm>
-          <a:prstGeom prst="rect">
-            <a:avLst/>
-          </a:prstGeom>
-        </p:spPr>
-      </p:pic>
+              <a:rPr lang="en-KZ" dirty="0">
+                <a:latin typeface="Times New Roman" panose="02020603050405020304" pitchFamily="18" charset="0"/>
+                <a:cs typeface="Times New Roman" panose="02020603050405020304" pitchFamily="18" charset="0"/>
+              </a:rPr>
+              <a:t>You need to create console application, that </a:t>
+            </a:r>
+            <a:r>
+              <a:rPr lang="en-US" dirty="0">
+                <a:latin typeface="Times New Roman" panose="02020603050405020304" pitchFamily="18" charset="0"/>
+                <a:cs typeface="Times New Roman" panose="02020603050405020304" pitchFamily="18" charset="0"/>
+              </a:rPr>
+              <a:t>accepts as input Name, Age and GPA. If it has bad arguments, print an informative error message. </a:t>
+            </a:r>
+          </a:p>
+        </p:txBody>
+      </p:sp>
     </p:spTree>
     <p:extLst>
       <p:ext uri="{BB962C8B-B14F-4D97-AF65-F5344CB8AC3E}">
-        <p14:creationId xmlns:p14="http://schemas.microsoft.com/office/powerpoint/2010/main" val="2197278292"/>
+        <p14:creationId xmlns:p14="http://schemas.microsoft.com/office/powerpoint/2010/main" val="643534035"/>
       </p:ext>
     </p:extLst>
   </p:cSld>
@@ -4401,41 +4460,109 @@
       </p:grpSpPr>
       <p:sp>
         <p:nvSpPr>
-          <p:cNvPr id="3" name="Content Placeholder 2">
-            <a:extLst>
-              <a:ext uri="{FF2B5EF4-FFF2-40B4-BE49-F238E27FC236}">
-                <a16:creationId xmlns:a16="http://schemas.microsoft.com/office/drawing/2014/main" id="{EA2EEB91-D258-8909-5514-0622F8B4A48B}"/>
-              </a:ext>
-            </a:extLst>
-          </p:cNvPr>
-          <p:cNvSpPr>
-            <a:spLocks noGrp="1"/>
-          </p:cNvSpPr>
-          <p:nvPr>
-            <p:ph idx="1"/>
-          </p:nvPr>
-        </p:nvSpPr>
-        <p:spPr>
-          <a:xfrm>
-            <a:off x="679551" y="311060"/>
-            <a:ext cx="10515600" cy="4351338"/>
-          </a:xfrm>
-        </p:spPr>
-        <p:txBody>
-          <a:bodyPr/>
-          <a:lstStyle/>
-          <a:p>
-            <a:r>
-              <a:rPr lang="en-US" dirty="0">
+          <p:cNvPr id="2" name="Title 1">
+            <a:extLst>
+              <a:ext uri="{FF2B5EF4-FFF2-40B4-BE49-F238E27FC236}">
+                <a16:creationId xmlns:a16="http://schemas.microsoft.com/office/drawing/2014/main" id="{6B9BC86D-F02B-3ABB-723E-8C34647DF72F}"/>
+              </a:ext>
+            </a:extLst>
+          </p:cNvPr>
+          <p:cNvSpPr>
+            <a:spLocks noGrp="1"/>
+          </p:cNvSpPr>
+          <p:nvPr>
+            <p:ph type="title"/>
+          </p:nvPr>
+        </p:nvSpPr>
+        <p:spPr/>
+        <p:txBody>
+          <a:bodyPr/>
+          <a:lstStyle/>
+          <a:p>
+            <a:r>
+              <a:rPr lang="en-KZ" dirty="0">
                 <a:latin typeface="Times New Roman" panose="02020603050405020304" pitchFamily="18" charset="0"/>
                 <a:cs typeface="Times New Roman" panose="02020603050405020304" pitchFamily="18" charset="0"/>
               </a:rPr>
-              <a:t>The goal for this stage of the lab is to modify the script so that it responds appropriately to incorrect command line arguments. When bad arguments are provided, the script should print an informative error message followed by a usage string.</a:t>
-            </a:r>
-            <a:endParaRPr lang="en-KZ" dirty="0">
-              <a:latin typeface="Times New Roman" panose="02020603050405020304" pitchFamily="18" charset="0"/>
-              <a:cs typeface="Times New Roman" panose="02020603050405020304" pitchFamily="18" charset="0"/>
-            </a:endParaRPr>
+              <a:t>Duplicate words</a:t>
+            </a:r>
+          </a:p>
+        </p:txBody>
+      </p:sp>
+      <p:sp>
+        <p:nvSpPr>
+          <p:cNvPr id="3" name="Content Placeholder 2">
+            <a:extLst>
+              <a:ext uri="{FF2B5EF4-FFF2-40B4-BE49-F238E27FC236}">
+                <a16:creationId xmlns:a16="http://schemas.microsoft.com/office/drawing/2014/main" id="{D3101AE0-B156-F041-4AD9-764AAD54DCDE}"/>
+              </a:ext>
+            </a:extLst>
+          </p:cNvPr>
+          <p:cNvSpPr>
+            <a:spLocks noGrp="1"/>
+          </p:cNvSpPr>
+          <p:nvPr>
+            <p:ph idx="1"/>
+          </p:nvPr>
+        </p:nvSpPr>
+        <p:spPr/>
+        <p:txBody>
+          <a:bodyPr/>
+          <a:lstStyle/>
+          <a:p>
+            <a:r>
+              <a:rPr lang="en-US" dirty="0"/>
+              <a:t>The file </a:t>
+            </a:r>
+            <a:r>
+              <a:rPr lang="en-US" dirty="0" err="1"/>
+              <a:t>word.py</a:t>
+            </a:r>
+            <a:r>
+              <a:rPr lang="en-US" dirty="0"/>
+              <a:t> contains a simple command-line utility that creates a file containing any number of repetitions of a single word.</a:t>
+            </a:r>
+          </a:p>
+          <a:p>
+            <a:r>
+              <a:rPr lang="en-US" dirty="0"/>
+              <a:t>Usage: </a:t>
+            </a:r>
+            <a:r>
+              <a:rPr lang="en-US" dirty="0" err="1"/>
+              <a:t>word.py</a:t>
+            </a:r>
+            <a:r>
+              <a:rPr lang="en-US" dirty="0"/>
+              <a:t> FILE_NAME WORD COUNT</a:t>
+            </a:r>
+          </a:p>
+          <a:p>
+            <a:endParaRPr lang="en-US" dirty="0"/>
+          </a:p>
+          <a:p>
+            <a:endParaRPr lang="en-US" dirty="0"/>
+          </a:p>
+          <a:p>
+            <a:r>
+              <a:rPr lang="en-US" dirty="0"/>
+              <a:t>This would result in the creation of a file named '</a:t>
+            </a:r>
+            <a:r>
+              <a:rPr lang="en-US" dirty="0" err="1"/>
+              <a:t>h.txt</a:t>
+            </a:r>
+            <a:r>
+              <a:rPr lang="en-US" dirty="0"/>
+              <a:t>' with the contents: hell hell</a:t>
+            </a:r>
+          </a:p>
+          <a:p>
+            <a:r>
+              <a:rPr lang="en-US" dirty="0"/>
+              <a:t>This utility will do nothing if the file already exists.</a:t>
+            </a:r>
+            <a:endParaRPr lang="en-KZ" dirty="0"/>
           </a:p>
         </p:txBody>
       </p:sp>
@@ -4444,7 +4571,7 @@
           <p:cNvPr id="5" name="Picture 4">
             <a:extLst>
               <a:ext uri="{FF2B5EF4-FFF2-40B4-BE49-F238E27FC236}">
-                <a16:creationId xmlns:a16="http://schemas.microsoft.com/office/drawing/2014/main" id="{8107128F-2250-DC83-84F4-CBA32980720D}"/>
+                <a16:creationId xmlns:a16="http://schemas.microsoft.com/office/drawing/2014/main" id="{C75C3A81-7E44-6547-E5DD-7C989863F7DA}"/>
               </a:ext>
             </a:extLst>
           </p:cNvPr>
@@ -4461,68 +4588,8 @@
         </p:blipFill>
         <p:spPr>
           <a:xfrm>
-            <a:off x="1131783" y="2774378"/>
-            <a:ext cx="9928434" cy="654622"/>
-          </a:xfrm>
-          <a:prstGeom prst="rect">
-            <a:avLst/>
-          </a:prstGeom>
-        </p:spPr>
-      </p:pic>
-      <p:pic>
-        <p:nvPicPr>
-          <p:cNvPr id="7" name="Picture 6">
-            <a:extLst>
-              <a:ext uri="{FF2B5EF4-FFF2-40B4-BE49-F238E27FC236}">
-                <a16:creationId xmlns:a16="http://schemas.microsoft.com/office/drawing/2014/main" id="{892264AA-5D88-79F1-AD5A-3FD8432B79BB}"/>
-              </a:ext>
-            </a:extLst>
-          </p:cNvPr>
-          <p:cNvPicPr>
-            <a:picLocks noChangeAspect="1"/>
-          </p:cNvPicPr>
-          <p:nvPr/>
-        </p:nvPicPr>
-        <p:blipFill>
-          <a:blip r:embed="rId3"/>
-          <a:stretch>
-            <a:fillRect/>
-          </a:stretch>
-        </p:blipFill>
-        <p:spPr>
-          <a:xfrm>
-            <a:off x="1131783" y="3563937"/>
-            <a:ext cx="9611137" cy="559544"/>
-          </a:xfrm>
-          <a:prstGeom prst="rect">
-            <a:avLst/>
-          </a:prstGeom>
-        </p:spPr>
-      </p:pic>
-      <p:pic>
-        <p:nvPicPr>
-          <p:cNvPr id="9" name="Picture 8">
-            <a:extLst>
-              <a:ext uri="{FF2B5EF4-FFF2-40B4-BE49-F238E27FC236}">
-                <a16:creationId xmlns:a16="http://schemas.microsoft.com/office/drawing/2014/main" id="{ED2AE905-9360-17D6-1213-9C60FFA4B87E}"/>
-              </a:ext>
-            </a:extLst>
-          </p:cNvPr>
-          <p:cNvPicPr>
-            <a:picLocks noChangeAspect="1"/>
-          </p:cNvPicPr>
-          <p:nvPr/>
-        </p:nvPicPr>
-        <p:blipFill>
-          <a:blip r:embed="rId4"/>
-          <a:stretch>
-            <a:fillRect/>
-          </a:stretch>
-        </p:blipFill>
-        <p:spPr>
-          <a:xfrm>
-            <a:off x="2129820" y="4314755"/>
-            <a:ext cx="7932359" cy="559544"/>
+            <a:off x="1591290" y="3377889"/>
+            <a:ext cx="9009420" cy="654211"/>
           </a:xfrm>
           <a:prstGeom prst="rect">
             <a:avLst/>
@@ -4532,7 +4599,7 @@
     </p:spTree>
     <p:extLst>
       <p:ext uri="{BB962C8B-B14F-4D97-AF65-F5344CB8AC3E}">
-        <p14:creationId xmlns:p14="http://schemas.microsoft.com/office/powerpoint/2010/main" val="1023093878"/>
+        <p14:creationId xmlns:p14="http://schemas.microsoft.com/office/powerpoint/2010/main" val="2197278292"/>
       </p:ext>
     </p:extLst>
   </p:cSld>
